--- a/0601-0700/LeetCode 第 658 题：“找到 K 个最接近的元素”题解配图.pptx
+++ b/0601-0700/LeetCode 第 658 题：“找到 K 个最接近的元素”题解配图.pptx
@@ -370,7 +370,7 @@
           <a:p>
             <a:fld id="{5E90F572-9B65-224E-8E23-82F0BAD0C034}" type="datetimeFigureOut">
               <a:rPr kumimoji="1" lang="zh-CN" altLang="en-US" smtClean="0"/>
-              <a:t>2019/7/5</a:t>
+              <a:t>2019/8/26</a:t>
             </a:fld>
             <a:endParaRPr kumimoji="1" lang="zh-CN" altLang="en-US"/>
           </a:p>
@@ -571,7 +571,7 @@
           <a:p>
             <a:fld id="{7C955CD6-C544-6447-88CB-A2D8D4C328B3}" type="datetimeFigureOut">
               <a:rPr kumimoji="1" lang="zh-CN" altLang="en-US" smtClean="0"/>
-              <a:t>2019/7/5</a:t>
+              <a:t>2019/8/26</a:t>
             </a:fld>
             <a:endParaRPr kumimoji="1" lang="zh-CN" altLang="en-US"/>
           </a:p>
@@ -1607,7 +1607,7 @@
                 <a:ea typeface="KaiTi_GB2312" panose="02010609030101010101" pitchFamily="49" charset="-122"/>
                 <a:cs typeface="Times New Roman" panose="02020603050405020304" pitchFamily="18" charset="0"/>
               </a:rPr>
-              <a:t>”的距离是 </a:t>
+              <a:t>”的差值的绝对值是 </a:t>
             </a:r>
             <a:r>
               <a:rPr kumimoji="1" lang="en-US" altLang="zh-CN" sz="2000" dirty="0">
@@ -1670,7 +1670,7 @@
                 <a:ea typeface="KaiTi_GB2312" panose="02010609030101010101" pitchFamily="49" charset="-122"/>
                 <a:cs typeface="Times New Roman" panose="02020603050405020304" pitchFamily="18" charset="0"/>
               </a:rPr>
-              <a:t>”的距离是 </a:t>
+              <a:t>”的差值的绝对值是 </a:t>
             </a:r>
             <a:r>
               <a:rPr kumimoji="1" lang="en-US" altLang="zh-CN" sz="2000" dirty="0">
@@ -1686,7 +1686,23 @@
                 <a:ea typeface="KaiTi_GB2312" panose="02010609030101010101" pitchFamily="49" charset="-122"/>
                 <a:cs typeface="Times New Roman" panose="02020603050405020304" pitchFamily="18" charset="0"/>
               </a:rPr>
-              <a:t>，</a:t>
+              <a:t>，右边界更靠近 </a:t>
+            </a:r>
+            <a:r>
+              <a:rPr kumimoji="1" lang="en-US" altLang="zh-CN" sz="2000" i="1" dirty="0">
+                <a:latin typeface="Times New Roman" panose="02020603050405020304" pitchFamily="18" charset="0"/>
+                <a:ea typeface="KaiTi_GB2312" panose="02010609030101010101" pitchFamily="49" charset="-122"/>
+                <a:cs typeface="Times New Roman" panose="02020603050405020304" pitchFamily="18" charset="0"/>
+              </a:rPr>
+              <a:t>x</a:t>
+            </a:r>
+            <a:r>
+              <a:rPr kumimoji="1" lang="zh-CN" altLang="en-US" sz="2000" dirty="0">
+                <a:latin typeface="Times New Roman" panose="02020603050405020304" pitchFamily="18" charset="0"/>
+                <a:ea typeface="KaiTi_GB2312" panose="02010609030101010101" pitchFamily="49" charset="-122"/>
+                <a:cs typeface="Times New Roman" panose="02020603050405020304" pitchFamily="18" charset="0"/>
+              </a:rPr>
+              <a:t>。</a:t>
             </a:r>
             <a:endParaRPr kumimoji="1" lang="en-US" altLang="zh-CN" sz="2000" dirty="0">
               <a:latin typeface="Times New Roman" panose="02020603050405020304" pitchFamily="18" charset="0"/>
@@ -2702,7 +2718,7 @@
                 <a:ea typeface="KaiTi_GB2312" panose="02010609030101010101" pitchFamily="49" charset="-122"/>
                 <a:cs typeface="Times New Roman" panose="02020603050405020304" pitchFamily="18" charset="0"/>
               </a:rPr>
-              <a:t>”的距离是 </a:t>
+              <a:t>”的差值的绝对值是 </a:t>
             </a:r>
             <a:r>
               <a:rPr kumimoji="1" lang="en-US" altLang="zh-CN" sz="2000" dirty="0">
@@ -2765,7 +2781,7 @@
                 <a:ea typeface="KaiTi_GB2312" panose="02010609030101010101" pitchFamily="49" charset="-122"/>
                 <a:cs typeface="Times New Roman" panose="02020603050405020304" pitchFamily="18" charset="0"/>
               </a:rPr>
-              <a:t>”的距离是 </a:t>
+              <a:t>”的差值的绝对值是 </a:t>
             </a:r>
             <a:r>
               <a:rPr kumimoji="1" lang="en-US" altLang="zh-CN" sz="2000" dirty="0">
@@ -2781,7 +2797,23 @@
                 <a:ea typeface="KaiTi_GB2312" panose="02010609030101010101" pitchFamily="49" charset="-122"/>
                 <a:cs typeface="Times New Roman" panose="02020603050405020304" pitchFamily="18" charset="0"/>
               </a:rPr>
-              <a:t>，</a:t>
+              <a:t>，右边界更靠近 </a:t>
+            </a:r>
+            <a:r>
+              <a:rPr kumimoji="1" lang="en-US" altLang="zh-CN" sz="2000" i="1" dirty="0">
+                <a:latin typeface="Times New Roman" panose="02020603050405020304" pitchFamily="18" charset="0"/>
+                <a:ea typeface="KaiTi_GB2312" panose="02010609030101010101" pitchFamily="49" charset="-122"/>
+                <a:cs typeface="Times New Roman" panose="02020603050405020304" pitchFamily="18" charset="0"/>
+              </a:rPr>
+              <a:t>x</a:t>
+            </a:r>
+            <a:r>
+              <a:rPr kumimoji="1" lang="zh-CN" altLang="en-US" sz="2000" dirty="0">
+                <a:latin typeface="Times New Roman" panose="02020603050405020304" pitchFamily="18" charset="0"/>
+                <a:ea typeface="KaiTi_GB2312" panose="02010609030101010101" pitchFamily="49" charset="-122"/>
+                <a:cs typeface="Times New Roman" panose="02020603050405020304" pitchFamily="18" charset="0"/>
+              </a:rPr>
+              <a:t>。</a:t>
             </a:r>
             <a:endParaRPr kumimoji="1" lang="en-US" altLang="zh-CN" sz="2000" dirty="0">
               <a:latin typeface="Times New Roman" panose="02020603050405020304" pitchFamily="18" charset="0"/>
@@ -3585,7 +3617,7 @@
         <p:spPr>
           <a:xfrm flipH="1">
             <a:off x="531205" y="4214777"/>
-            <a:ext cx="10617440" cy="1015663"/>
+            <a:ext cx="10617440" cy="1323439"/>
           </a:xfrm>
           <a:prstGeom prst="rect">
             <a:avLst/>
@@ -3636,7 +3668,7 @@
                 <a:ea typeface="KaiTi_GB2312" panose="02010609030101010101" pitchFamily="49" charset="-122"/>
                 <a:cs typeface="Times New Roman" panose="02020603050405020304" pitchFamily="18" charset="0"/>
               </a:rPr>
-              <a:t>”的距离是 </a:t>
+              <a:t>”的差值的绝对值是 </a:t>
             </a:r>
             <a:r>
               <a:rPr kumimoji="1" lang="en-US" altLang="zh-CN" sz="2000" dirty="0">
@@ -3699,7 +3731,7 @@
                 <a:ea typeface="KaiTi_GB2312" panose="02010609030101010101" pitchFamily="49" charset="-122"/>
                 <a:cs typeface="Times New Roman" panose="02020603050405020304" pitchFamily="18" charset="0"/>
               </a:rPr>
-              <a:t>”的距离是 </a:t>
+              <a:t>”的差值的绝对值是 </a:t>
             </a:r>
             <a:r>
               <a:rPr kumimoji="1" lang="en-US" altLang="zh-CN" sz="2000" dirty="0">
@@ -3730,7 +3762,38 @@
                 <a:ea typeface="KaiTi_GB2312" panose="02010609030101010101" pitchFamily="49" charset="-122"/>
                 <a:cs typeface="Times New Roman" panose="02020603050405020304" pitchFamily="18" charset="0"/>
               </a:rPr>
-              <a:t>距离相等的时候，删除右边界，故右指针向左边移动一位。</a:t>
+              <a:t>它们与 </a:t>
+            </a:r>
+            <a:r>
+              <a:rPr kumimoji="1" lang="en-US" altLang="zh-CN" sz="2000" i="1" dirty="0">
+                <a:latin typeface="Times New Roman" panose="02020603050405020304" pitchFamily="18" charset="0"/>
+                <a:ea typeface="KaiTi_GB2312" panose="02010609030101010101" pitchFamily="49" charset="-122"/>
+                <a:cs typeface="Times New Roman" panose="02020603050405020304" pitchFamily="18" charset="0"/>
+              </a:rPr>
+              <a:t>x</a:t>
+            </a:r>
+            <a:r>
+              <a:rPr kumimoji="1" lang="zh-CN" altLang="en-US" sz="2000" dirty="0">
+                <a:latin typeface="Times New Roman" panose="02020603050405020304" pitchFamily="18" charset="0"/>
+                <a:ea typeface="KaiTi_GB2312" panose="02010609030101010101" pitchFamily="49" charset="-122"/>
+                <a:cs typeface="Times New Roman" panose="02020603050405020304" pitchFamily="18" charset="0"/>
+              </a:rPr>
+              <a:t> 的差值的绝对值相等的时候，根据题意，优先选择数值较小的那个数，</a:t>
+            </a:r>
+            <a:endParaRPr kumimoji="1" lang="en-US" altLang="zh-CN" sz="2000" dirty="0">
+              <a:latin typeface="Times New Roman" panose="02020603050405020304" pitchFamily="18" charset="0"/>
+              <a:ea typeface="KaiTi_GB2312" panose="02010609030101010101" pitchFamily="49" charset="-122"/>
+              <a:cs typeface="Times New Roman" panose="02020603050405020304" pitchFamily="18" charset="0"/>
+            </a:endParaRPr>
+          </a:p>
+          <a:p>
+            <a:r>
+              <a:rPr kumimoji="1" lang="zh-CN" altLang="en-US" sz="2000" dirty="0">
+                <a:latin typeface="Times New Roman" panose="02020603050405020304" pitchFamily="18" charset="0"/>
+                <a:ea typeface="KaiTi_GB2312" panose="02010609030101010101" pitchFamily="49" charset="-122"/>
+                <a:cs typeface="Times New Roman" panose="02020603050405020304" pitchFamily="18" charset="0"/>
+              </a:rPr>
+              <a:t>因此删除右边界，右指针向左边移动一位。</a:t>
             </a:r>
             <a:endParaRPr kumimoji="1" lang="en-US" altLang="zh-CN" sz="2000" dirty="0">
               <a:latin typeface="Times New Roman" panose="02020603050405020304" pitchFamily="18" charset="0"/>
@@ -4570,7 +4633,7 @@
                 <a:ea typeface="KaiTi_GB2312" panose="02010609030101010101" pitchFamily="49" charset="-122"/>
                 <a:cs typeface="Times New Roman" panose="02020603050405020304" pitchFamily="18" charset="0"/>
               </a:rPr>
-              <a:t>”的距离是 </a:t>
+              <a:t>”的差值的绝对值是 </a:t>
             </a:r>
             <a:r>
               <a:rPr kumimoji="1" lang="en-US" altLang="zh-CN" sz="2000" dirty="0">
@@ -4633,7 +4696,7 @@
                 <a:ea typeface="KaiTi_GB2312" panose="02010609030101010101" pitchFamily="49" charset="-122"/>
                 <a:cs typeface="Times New Roman" panose="02020603050405020304" pitchFamily="18" charset="0"/>
               </a:rPr>
-              <a:t>”的距离是 </a:t>
+              <a:t>”的差值的绝对值是 </a:t>
             </a:r>
             <a:r>
               <a:rPr kumimoji="1" lang="en-US" altLang="zh-CN" sz="2000" dirty="0">
@@ -4649,7 +4712,23 @@
                 <a:ea typeface="KaiTi_GB2312" panose="02010609030101010101" pitchFamily="49" charset="-122"/>
                 <a:cs typeface="Times New Roman" panose="02020603050405020304" pitchFamily="18" charset="0"/>
               </a:rPr>
-              <a:t>，</a:t>
+              <a:t>，右边界更靠近 </a:t>
+            </a:r>
+            <a:r>
+              <a:rPr kumimoji="1" lang="en-US" altLang="zh-CN" sz="2000" i="1" dirty="0">
+                <a:latin typeface="Times New Roman" panose="02020603050405020304" pitchFamily="18" charset="0"/>
+                <a:ea typeface="KaiTi_GB2312" panose="02010609030101010101" pitchFamily="49" charset="-122"/>
+                <a:cs typeface="Times New Roman" panose="02020603050405020304" pitchFamily="18" charset="0"/>
+              </a:rPr>
+              <a:t>x</a:t>
+            </a:r>
+            <a:r>
+              <a:rPr kumimoji="1" lang="zh-CN" altLang="en-US" sz="2000" dirty="0">
+                <a:latin typeface="Times New Roman" panose="02020603050405020304" pitchFamily="18" charset="0"/>
+                <a:ea typeface="KaiTi_GB2312" panose="02010609030101010101" pitchFamily="49" charset="-122"/>
+                <a:cs typeface="Times New Roman" panose="02020603050405020304" pitchFamily="18" charset="0"/>
+              </a:rPr>
+              <a:t>。</a:t>
             </a:r>
             <a:endParaRPr kumimoji="1" lang="en-US" altLang="zh-CN" sz="2000" dirty="0">
               <a:latin typeface="Times New Roman" panose="02020603050405020304" pitchFamily="18" charset="0"/>
@@ -4664,7 +4743,7 @@
                 <a:ea typeface="KaiTi_GB2312" panose="02010609030101010101" pitchFamily="49" charset="-122"/>
                 <a:cs typeface="Times New Roman" panose="02020603050405020304" pitchFamily="18" charset="0"/>
               </a:rPr>
-              <a:t>距离相等的时候，删除左边界，故左指针向右边移动一位。</a:t>
+              <a:t>故删除左边界，故左指针向右边移动一位。</a:t>
             </a:r>
             <a:endParaRPr kumimoji="1" lang="en-US" altLang="zh-CN" sz="2000" dirty="0">
               <a:latin typeface="Times New Roman" panose="02020603050405020304" pitchFamily="18" charset="0"/>
